--- a/PHY2026/Experiment_4/Final_Report/double_diffraction.pptx
+++ b/PHY2026/Experiment_4/Final_Report/double_diffraction.pptx
@@ -243,7 +243,7 @@
           <a:p>
             <a:fld id="{4177DAA1-AF6A-44FE-B382-B674E3541FDF}" type="datetimeFigureOut">
               <a:rPr lang="en-GB" smtClean="0"/>
-              <a:t>23/02/2019</a:t>
+              <a:t>03/03/2019</a:t>
             </a:fld>
             <a:endParaRPr lang="en-GB"/>
           </a:p>
@@ -413,7 +413,7 @@
           <a:p>
             <a:fld id="{4177DAA1-AF6A-44FE-B382-B674E3541FDF}" type="datetimeFigureOut">
               <a:rPr lang="en-GB" smtClean="0"/>
-              <a:t>23/02/2019</a:t>
+              <a:t>03/03/2019</a:t>
             </a:fld>
             <a:endParaRPr lang="en-GB"/>
           </a:p>
@@ -593,7 +593,7 @@
           <a:p>
             <a:fld id="{4177DAA1-AF6A-44FE-B382-B674E3541FDF}" type="datetimeFigureOut">
               <a:rPr lang="en-GB" smtClean="0"/>
-              <a:t>23/02/2019</a:t>
+              <a:t>03/03/2019</a:t>
             </a:fld>
             <a:endParaRPr lang="en-GB"/>
           </a:p>
@@ -763,7 +763,7 @@
           <a:p>
             <a:fld id="{4177DAA1-AF6A-44FE-B382-B674E3541FDF}" type="datetimeFigureOut">
               <a:rPr lang="en-GB" smtClean="0"/>
-              <a:t>23/02/2019</a:t>
+              <a:t>03/03/2019</a:t>
             </a:fld>
             <a:endParaRPr lang="en-GB"/>
           </a:p>
@@ -1009,7 +1009,7 @@
           <a:p>
             <a:fld id="{4177DAA1-AF6A-44FE-B382-B674E3541FDF}" type="datetimeFigureOut">
               <a:rPr lang="en-GB" smtClean="0"/>
-              <a:t>23/02/2019</a:t>
+              <a:t>03/03/2019</a:t>
             </a:fld>
             <a:endParaRPr lang="en-GB"/>
           </a:p>
@@ -1241,7 +1241,7 @@
           <a:p>
             <a:fld id="{4177DAA1-AF6A-44FE-B382-B674E3541FDF}" type="datetimeFigureOut">
               <a:rPr lang="en-GB" smtClean="0"/>
-              <a:t>23/02/2019</a:t>
+              <a:t>03/03/2019</a:t>
             </a:fld>
             <a:endParaRPr lang="en-GB"/>
           </a:p>
@@ -1608,7 +1608,7 @@
           <a:p>
             <a:fld id="{4177DAA1-AF6A-44FE-B382-B674E3541FDF}" type="datetimeFigureOut">
               <a:rPr lang="en-GB" smtClean="0"/>
-              <a:t>23/02/2019</a:t>
+              <a:t>03/03/2019</a:t>
             </a:fld>
             <a:endParaRPr lang="en-GB"/>
           </a:p>
@@ -1726,7 +1726,7 @@
           <a:p>
             <a:fld id="{4177DAA1-AF6A-44FE-B382-B674E3541FDF}" type="datetimeFigureOut">
               <a:rPr lang="en-GB" smtClean="0"/>
-              <a:t>23/02/2019</a:t>
+              <a:t>03/03/2019</a:t>
             </a:fld>
             <a:endParaRPr lang="en-GB"/>
           </a:p>
@@ -1821,7 +1821,7 @@
           <a:p>
             <a:fld id="{4177DAA1-AF6A-44FE-B382-B674E3541FDF}" type="datetimeFigureOut">
               <a:rPr lang="en-GB" smtClean="0"/>
-              <a:t>23/02/2019</a:t>
+              <a:t>03/03/2019</a:t>
             </a:fld>
             <a:endParaRPr lang="en-GB"/>
           </a:p>
@@ -2098,7 +2098,7 @@
           <a:p>
             <a:fld id="{4177DAA1-AF6A-44FE-B382-B674E3541FDF}" type="datetimeFigureOut">
               <a:rPr lang="en-GB" smtClean="0"/>
-              <a:t>23/02/2019</a:t>
+              <a:t>03/03/2019</a:t>
             </a:fld>
             <a:endParaRPr lang="en-GB"/>
           </a:p>
@@ -2351,7 +2351,7 @@
           <a:p>
             <a:fld id="{4177DAA1-AF6A-44FE-B382-B674E3541FDF}" type="datetimeFigureOut">
               <a:rPr lang="en-GB" smtClean="0"/>
-              <a:t>23/02/2019</a:t>
+              <a:t>03/03/2019</a:t>
             </a:fld>
             <a:endParaRPr lang="en-GB"/>
           </a:p>
@@ -2564,7 +2564,7 @@
           <a:p>
             <a:fld id="{4177DAA1-AF6A-44FE-B382-B674E3541FDF}" type="datetimeFigureOut">
               <a:rPr lang="en-GB" smtClean="0"/>
-              <a:t>23/02/2019</a:t>
+              <a:t>03/03/2019</a:t>
             </a:fld>
             <a:endParaRPr lang="en-GB"/>
           </a:p>
@@ -3406,8 +3406,8 @@
           </a:p>
         </p:txBody>
       </p:sp>
-      <mc:AlternateContent xmlns:mc="http://schemas.openxmlformats.org/markup-compatibility/2006">
-        <mc:Choice xmlns:a14="http://schemas.microsoft.com/office/drawing/2010/main" Requires="a14">
+      <mc:AlternateContent xmlns:mc="http://schemas.openxmlformats.org/markup-compatibility/2006" xmlns:a14="http://schemas.microsoft.com/office/drawing/2010/main">
+        <mc:Choice Requires="a14">
           <p:sp>
             <p:nvSpPr>
               <p:cNvPr id="39" name="TextBox 38"/>
@@ -3451,7 +3451,7 @@
             </p:txBody>
           </p:sp>
         </mc:Choice>
-        <mc:Fallback>
+        <mc:Fallback xmlns="">
           <p:sp>
             <p:nvSpPr>
               <p:cNvPr id="39" name="TextBox 38"/>
@@ -3869,7 +3869,7 @@
         </p:nvCxnSpPr>
         <p:spPr>
           <a:xfrm>
-            <a:off x="1423631" y="3185952"/>
+            <a:off x="1329883" y="3171128"/>
             <a:ext cx="621" cy="881136"/>
           </a:xfrm>
           <a:prstGeom prst="straightConnector1">
@@ -3906,7 +3906,7 @@
         </p:nvSpPr>
         <p:spPr>
           <a:xfrm>
-            <a:off x="595377" y="3444017"/>
+            <a:off x="534813" y="3436870"/>
             <a:ext cx="1347727" cy="369332"/>
           </a:xfrm>
           <a:prstGeom prst="rect">
@@ -3943,7 +3943,7 @@
         </p:nvCxnSpPr>
         <p:spPr>
           <a:xfrm flipV="1">
-            <a:off x="1500975" y="3974153"/>
+            <a:off x="1525689" y="3974153"/>
             <a:ext cx="8751854" cy="78111"/>
           </a:xfrm>
           <a:prstGeom prst="line">
@@ -3979,8 +3979,8 @@
         </p:nvCxnSpPr>
         <p:spPr>
           <a:xfrm flipV="1">
-            <a:off x="1500975" y="3089252"/>
-            <a:ext cx="8758241" cy="87529"/>
+            <a:off x="1515763" y="3168703"/>
+            <a:ext cx="8724983" cy="2868"/>
           </a:xfrm>
           <a:prstGeom prst="line">
             <a:avLst/>
@@ -4050,8 +4050,8 @@
           </a:p>
         </p:txBody>
       </p:sp>
-      <mc:AlternateContent xmlns:mc="http://schemas.openxmlformats.org/markup-compatibility/2006">
-        <mc:Choice xmlns:a14="http://schemas.microsoft.com/office/drawing/2010/main" Requires="a14">
+      <mc:AlternateContent xmlns:mc="http://schemas.openxmlformats.org/markup-compatibility/2006" xmlns:a14="http://schemas.microsoft.com/office/drawing/2010/main">
+        <mc:Choice Requires="a14">
           <p:sp>
             <p:nvSpPr>
               <p:cNvPr id="58" name="TextBox 57"/>
@@ -4095,7 +4095,7 @@
             </p:txBody>
           </p:sp>
         </mc:Choice>
-        <mc:Fallback>
+        <mc:Fallback xmlns="">
           <p:sp>
             <p:nvSpPr>
               <p:cNvPr id="58" name="TextBox 57"/>
@@ -4169,8 +4169,8 @@
           </a:fontRef>
         </p:style>
       </p:cxnSp>
-      <mc:AlternateContent xmlns:mc="http://schemas.openxmlformats.org/markup-compatibility/2006">
-        <mc:Choice xmlns:a14="http://schemas.microsoft.com/office/drawing/2010/main" Requires="a14">
+      <mc:AlternateContent xmlns:mc="http://schemas.openxmlformats.org/markup-compatibility/2006" xmlns:a14="http://schemas.microsoft.com/office/drawing/2010/main">
+        <mc:Choice Requires="a14">
           <p:sp>
             <p:nvSpPr>
               <p:cNvPr id="72" name="TextBox 71"/>
@@ -4214,7 +4214,7 @@
             </p:txBody>
           </p:sp>
         </mc:Choice>
-        <mc:Fallback>
+        <mc:Fallback xmlns="">
           <p:sp>
             <p:nvSpPr>
               <p:cNvPr id="72" name="TextBox 71"/>
@@ -4293,6 +4293,154 @@
           <a:p>
             <a:pPr algn="ctr"/>
             <a:endParaRPr lang="en-GB"/>
+          </a:p>
+        </p:txBody>
+      </p:sp>
+      <p:cxnSp>
+        <p:nvCxnSpPr>
+          <p:cNvPr id="34" name="Straight Arrow Connector 33"/>
+          <p:cNvCxnSpPr/>
+          <p:nvPr/>
+        </p:nvCxnSpPr>
+        <p:spPr>
+          <a:xfrm>
+            <a:off x="1525689" y="3843275"/>
+            <a:ext cx="0" cy="435332"/>
+          </a:xfrm>
+          <a:prstGeom prst="straightConnector1">
+            <a:avLst/>
+          </a:prstGeom>
+          <a:ln w="12700">
+            <a:solidFill>
+              <a:schemeClr val="tx1"/>
+            </a:solidFill>
+            <a:headEnd type="triangle"/>
+            <a:tailEnd type="triangle"/>
+          </a:ln>
+        </p:spPr>
+        <p:style>
+          <a:lnRef idx="1">
+            <a:schemeClr val="accent1"/>
+          </a:lnRef>
+          <a:fillRef idx="0">
+            <a:schemeClr val="accent1"/>
+          </a:fillRef>
+          <a:effectRef idx="0">
+            <a:schemeClr val="accent1"/>
+          </a:effectRef>
+          <a:fontRef idx="minor">
+            <a:schemeClr val="tx1"/>
+          </a:fontRef>
+        </p:style>
+      </p:cxnSp>
+      <p:cxnSp>
+        <p:nvCxnSpPr>
+          <p:cNvPr id="36" name="Straight Arrow Connector 35"/>
+          <p:cNvCxnSpPr/>
+          <p:nvPr/>
+        </p:nvCxnSpPr>
+        <p:spPr>
+          <a:xfrm>
+            <a:off x="1516711" y="2952988"/>
+            <a:ext cx="0" cy="435332"/>
+          </a:xfrm>
+          <a:prstGeom prst="straightConnector1">
+            <a:avLst/>
+          </a:prstGeom>
+          <a:ln w="12700">
+            <a:solidFill>
+              <a:schemeClr val="tx1"/>
+            </a:solidFill>
+            <a:headEnd type="triangle"/>
+            <a:tailEnd type="triangle"/>
+          </a:ln>
+        </p:spPr>
+        <p:style>
+          <a:lnRef idx="1">
+            <a:schemeClr val="accent1"/>
+          </a:lnRef>
+          <a:fillRef idx="0">
+            <a:schemeClr val="accent1"/>
+          </a:fillRef>
+          <a:effectRef idx="0">
+            <a:schemeClr val="accent1"/>
+          </a:effectRef>
+          <a:fontRef idx="minor">
+            <a:schemeClr val="tx1"/>
+          </a:fontRef>
+        </p:style>
+      </p:cxnSp>
+      <p:sp>
+        <p:nvSpPr>
+          <p:cNvPr id="38" name="TextBox 37"/>
+          <p:cNvSpPr txBox="1"/>
+          <p:nvPr/>
+        </p:nvSpPr>
+        <p:spPr>
+          <a:xfrm>
+            <a:off x="760049" y="3832953"/>
+            <a:ext cx="1347727" cy="369332"/>
+          </a:xfrm>
+          <a:prstGeom prst="rect">
+            <a:avLst/>
+          </a:prstGeom>
+          <a:noFill/>
+        </p:spPr>
+        <p:txBody>
+          <a:bodyPr wrap="square" rtlCol="0">
+            <a:spAutoFit/>
+          </a:bodyPr>
+          <a:lstStyle/>
+          <a:p>
+            <a:pPr algn="ctr"/>
+            <a:r>
+              <a:rPr lang="en-GB" i="1" dirty="0">
+                <a:latin typeface="Times New Roman" panose="02020603050405020304" pitchFamily="18" charset="0"/>
+                <a:cs typeface="Times New Roman" panose="02020603050405020304" pitchFamily="18" charset="0"/>
+              </a:rPr>
+              <a:t>a</a:t>
+            </a:r>
+            <a:endParaRPr lang="en-GB" i="1" dirty="0">
+              <a:latin typeface="Times New Roman" panose="02020603050405020304" pitchFamily="18" charset="0"/>
+              <a:cs typeface="Times New Roman" panose="02020603050405020304" pitchFamily="18" charset="0"/>
+            </a:endParaRPr>
+          </a:p>
+        </p:txBody>
+      </p:sp>
+      <p:sp>
+        <p:nvSpPr>
+          <p:cNvPr id="41" name="TextBox 40"/>
+          <p:cNvSpPr txBox="1"/>
+          <p:nvPr/>
+        </p:nvSpPr>
+        <p:spPr>
+          <a:xfrm>
+            <a:off x="757318" y="2955426"/>
+            <a:ext cx="1347727" cy="369332"/>
+          </a:xfrm>
+          <a:prstGeom prst="rect">
+            <a:avLst/>
+          </a:prstGeom>
+          <a:noFill/>
+        </p:spPr>
+        <p:txBody>
+          <a:bodyPr wrap="square" rtlCol="0">
+            <a:spAutoFit/>
+          </a:bodyPr>
+          <a:lstStyle/>
+          <a:p>
+            <a:pPr algn="ctr"/>
+            <a:r>
+              <a:rPr lang="en-GB" i="1" dirty="0">
+                <a:latin typeface="Times New Roman" panose="02020603050405020304" pitchFamily="18" charset="0"/>
+                <a:cs typeface="Times New Roman" panose="02020603050405020304" pitchFamily="18" charset="0"/>
+              </a:rPr>
+              <a:t>a</a:t>
+            </a:r>
+            <a:endParaRPr lang="en-GB" i="1" dirty="0">
+              <a:latin typeface="Times New Roman" panose="02020603050405020304" pitchFamily="18" charset="0"/>
+              <a:cs typeface="Times New Roman" panose="02020603050405020304" pitchFamily="18" charset="0"/>
+            </a:endParaRPr>
           </a:p>
         </p:txBody>
       </p:sp>
